--- a/For Development/Figuras/Figura - Intoxication.pptx
+++ b/For Development/Figuras/Figura - Intoxication.pptx
@@ -104,7 +104,97 @@
       </a:defRPr>
     </a:lvl9pPr>
   </p:defaultTextStyle>
+  <p:extLst>
+    <p:ext uri="{EFAFB233-063F-42B5-8137-9DF3F51BA10A}">
+      <p15:sldGuideLst xmlns:p15="http://schemas.microsoft.com/office/powerpoint/2012/main"/>
+    </p:ext>
+  </p:extLst>
 </p:presentation>
+</file>
+
+<file path=ppt/revisionInfo.xml><?xml version="1.0" encoding="utf-8"?>
+<p1510:revInfo xmlns:a="http://schemas.openxmlformats.org/drawingml/2006/main" xmlns:r="http://schemas.openxmlformats.org/officeDocument/2006/relationships" xmlns:p1510="http://schemas.microsoft.com/office/powerpoint/2015/10/main">
+  <p1510:revLst>
+    <p1510:client id="{AABD32E4-C9A7-45F6-98D3-6DEE27444134}" v="5" dt="2021-06-20T12:15:58.921"/>
+  </p1510:revLst>
+</p1510:revInfo>
+</file>
+
+<file path=ppt/changesInfos/changesInfo1.xml><?xml version="1.0" encoding="utf-8"?>
+<pc:chgInfo xmlns:a="http://schemas.openxmlformats.org/drawingml/2006/main" xmlns:r="http://schemas.openxmlformats.org/officeDocument/2006/relationships" xmlns:ac="http://schemas.microsoft.com/office/drawing/2013/main/command" xmlns:pc="http://schemas.microsoft.com/office/powerpoint/2013/main/command">
+  <pc:docChgLst>
+    <pc:chgData name="Gustavo Lazarotto Schroeder" userId="9fac2260-2786-4836-be82-4f023857ab3a" providerId="ADAL" clId="{AABD32E4-C9A7-45F6-98D3-6DEE27444134}"/>
+    <pc:docChg chg="undo custSel modSld">
+      <pc:chgData name="Gustavo Lazarotto Schroeder" userId="9fac2260-2786-4836-be82-4f023857ab3a" providerId="ADAL" clId="{AABD32E4-C9A7-45F6-98D3-6DEE27444134}" dt="2021-06-20T12:14:39.206" v="28" actId="20577"/>
+      <pc:docMkLst>
+        <pc:docMk/>
+      </pc:docMkLst>
+      <pc:sldChg chg="addSp modSp mod">
+        <pc:chgData name="Gustavo Lazarotto Schroeder" userId="9fac2260-2786-4836-be82-4f023857ab3a" providerId="ADAL" clId="{AABD32E4-C9A7-45F6-98D3-6DEE27444134}" dt="2021-06-20T12:14:39.206" v="28" actId="20577"/>
+        <pc:sldMkLst>
+          <pc:docMk/>
+          <pc:sldMk cId="3577184728" sldId="256"/>
+        </pc:sldMkLst>
+        <pc:spChg chg="mod">
+          <ac:chgData name="Gustavo Lazarotto Schroeder" userId="9fac2260-2786-4836-be82-4f023857ab3a" providerId="ADAL" clId="{AABD32E4-C9A7-45F6-98D3-6DEE27444134}" dt="2021-06-20T12:14:31.891" v="14" actId="1076"/>
+          <ac:spMkLst>
+            <pc:docMk/>
+            <pc:sldMk cId="3577184728" sldId="256"/>
+            <ac:spMk id="8" creationId="{8110D057-4562-B24E-A4A7-BB5656BAD9ED}"/>
+          </ac:spMkLst>
+        </pc:spChg>
+        <pc:spChg chg="mod">
+          <ac:chgData name="Gustavo Lazarotto Schroeder" userId="9fac2260-2786-4836-be82-4f023857ab3a" providerId="ADAL" clId="{AABD32E4-C9A7-45F6-98D3-6DEE27444134}" dt="2021-06-20T12:14:11.792" v="8" actId="1076"/>
+          <ac:spMkLst>
+            <pc:docMk/>
+            <pc:sldMk cId="3577184728" sldId="256"/>
+            <ac:spMk id="9" creationId="{9CF45F2D-CDDC-2E42-9B9F-FB4EA865F2E1}"/>
+          </ac:spMkLst>
+        </pc:spChg>
+        <pc:spChg chg="mod">
+          <ac:chgData name="Gustavo Lazarotto Schroeder" userId="9fac2260-2786-4836-be82-4f023857ab3a" providerId="ADAL" clId="{AABD32E4-C9A7-45F6-98D3-6DEE27444134}" dt="2021-06-20T12:09:28.515" v="3" actId="20577"/>
+          <ac:spMkLst>
+            <pc:docMk/>
+            <pc:sldMk cId="3577184728" sldId="256"/>
+            <ac:spMk id="11" creationId="{BC11AAD8-8F5A-2542-B818-C7F1734E6159}"/>
+          </ac:spMkLst>
+        </pc:spChg>
+        <pc:spChg chg="add mod">
+          <ac:chgData name="Gustavo Lazarotto Schroeder" userId="9fac2260-2786-4836-be82-4f023857ab3a" providerId="ADAL" clId="{AABD32E4-C9A7-45F6-98D3-6DEE27444134}" dt="2021-06-20T12:14:39.206" v="28" actId="20577"/>
+          <ac:spMkLst>
+            <pc:docMk/>
+            <pc:sldMk cId="3577184728" sldId="256"/>
+            <ac:spMk id="22" creationId="{A4B0EA95-D858-4484-85CA-AB5FB14E90CC}"/>
+          </ac:spMkLst>
+        </pc:spChg>
+        <pc:cxnChg chg="add mod">
+          <ac:chgData name="Gustavo Lazarotto Schroeder" userId="9fac2260-2786-4836-be82-4f023857ab3a" providerId="ADAL" clId="{AABD32E4-C9A7-45F6-98D3-6DEE27444134}" dt="2021-06-20T12:14:35.026" v="15" actId="14100"/>
+          <ac:cxnSpMkLst>
+            <pc:docMk/>
+            <pc:sldMk cId="3577184728" sldId="256"/>
+            <ac:cxnSpMk id="26" creationId="{07C26911-D8A5-4D45-AE82-1D32D95B17CD}"/>
+          </ac:cxnSpMkLst>
+        </pc:cxnChg>
+        <pc:cxnChg chg="mod">
+          <ac:chgData name="Gustavo Lazarotto Schroeder" userId="9fac2260-2786-4836-be82-4f023857ab3a" providerId="ADAL" clId="{AABD32E4-C9A7-45F6-98D3-6DEE27444134}" dt="2021-06-20T12:14:11.792" v="8" actId="1076"/>
+          <ac:cxnSpMkLst>
+            <pc:docMk/>
+            <pc:sldMk cId="3577184728" sldId="256"/>
+            <ac:cxnSpMk id="33" creationId="{AA2C3DB3-768C-2545-8958-A250297392F1}"/>
+          </ac:cxnSpMkLst>
+        </pc:cxnChg>
+        <pc:cxnChg chg="mod">
+          <ac:chgData name="Gustavo Lazarotto Schroeder" userId="9fac2260-2786-4836-be82-4f023857ab3a" providerId="ADAL" clId="{AABD32E4-C9A7-45F6-98D3-6DEE27444134}" dt="2021-06-20T12:14:31.891" v="14" actId="1076"/>
+          <ac:cxnSpMkLst>
+            <pc:docMk/>
+            <pc:sldMk cId="3577184728" sldId="256"/>
+            <ac:cxnSpMk id="36" creationId="{AC7D9A28-EC69-9048-9D9D-0FB6F5BC3D75}"/>
+          </ac:cxnSpMkLst>
+        </pc:cxnChg>
+      </pc:sldChg>
+    </pc:docChg>
+  </pc:docChgLst>
+</pc:chgInfo>
 </file>
 
 <file path=ppt/slideLayouts/slideLayout1.xml><?xml version="1.0" encoding="utf-8"?>
@@ -254,7 +344,7 @@
           <a:p>
             <a:fld id="{B3237FD8-7647-544D-8D4B-E38D0094D47D}" type="datetimeFigureOut">
               <a:rPr lang="pt-BR" smtClean="0"/>
-              <a:t>17/06/2021</a:t>
+              <a:t>20/06/2021</a:t>
             </a:fld>
             <a:endParaRPr lang="pt-BR"/>
           </a:p>
@@ -452,7 +542,7 @@
           <a:p>
             <a:fld id="{B3237FD8-7647-544D-8D4B-E38D0094D47D}" type="datetimeFigureOut">
               <a:rPr lang="pt-BR" smtClean="0"/>
-              <a:t>17/06/2021</a:t>
+              <a:t>20/06/2021</a:t>
             </a:fld>
             <a:endParaRPr lang="pt-BR"/>
           </a:p>
@@ -660,7 +750,7 @@
           <a:p>
             <a:fld id="{B3237FD8-7647-544D-8D4B-E38D0094D47D}" type="datetimeFigureOut">
               <a:rPr lang="pt-BR" smtClean="0"/>
-              <a:t>17/06/2021</a:t>
+              <a:t>20/06/2021</a:t>
             </a:fld>
             <a:endParaRPr lang="pt-BR"/>
           </a:p>
@@ -858,7 +948,7 @@
           <a:p>
             <a:fld id="{B3237FD8-7647-544D-8D4B-E38D0094D47D}" type="datetimeFigureOut">
               <a:rPr lang="pt-BR" smtClean="0"/>
-              <a:t>17/06/2021</a:t>
+              <a:t>20/06/2021</a:t>
             </a:fld>
             <a:endParaRPr lang="pt-BR"/>
           </a:p>
@@ -1133,7 +1223,7 @@
           <a:p>
             <a:fld id="{B3237FD8-7647-544D-8D4B-E38D0094D47D}" type="datetimeFigureOut">
               <a:rPr lang="pt-BR" smtClean="0"/>
-              <a:t>17/06/2021</a:t>
+              <a:t>20/06/2021</a:t>
             </a:fld>
             <a:endParaRPr lang="pt-BR"/>
           </a:p>
@@ -1398,7 +1488,7 @@
           <a:p>
             <a:fld id="{B3237FD8-7647-544D-8D4B-E38D0094D47D}" type="datetimeFigureOut">
               <a:rPr lang="pt-BR" smtClean="0"/>
-              <a:t>17/06/2021</a:t>
+              <a:t>20/06/2021</a:t>
             </a:fld>
             <a:endParaRPr lang="pt-BR"/>
           </a:p>
@@ -1810,7 +1900,7 @@
           <a:p>
             <a:fld id="{B3237FD8-7647-544D-8D4B-E38D0094D47D}" type="datetimeFigureOut">
               <a:rPr lang="pt-BR" smtClean="0"/>
-              <a:t>17/06/2021</a:t>
+              <a:t>20/06/2021</a:t>
             </a:fld>
             <a:endParaRPr lang="pt-BR"/>
           </a:p>
@@ -1951,7 +2041,7 @@
           <a:p>
             <a:fld id="{B3237FD8-7647-544D-8D4B-E38D0094D47D}" type="datetimeFigureOut">
               <a:rPr lang="pt-BR" smtClean="0"/>
-              <a:t>17/06/2021</a:t>
+              <a:t>20/06/2021</a:t>
             </a:fld>
             <a:endParaRPr lang="pt-BR"/>
           </a:p>
@@ -2064,7 +2154,7 @@
           <a:p>
             <a:fld id="{B3237FD8-7647-544D-8D4B-E38D0094D47D}" type="datetimeFigureOut">
               <a:rPr lang="pt-BR" smtClean="0"/>
-              <a:t>17/06/2021</a:t>
+              <a:t>20/06/2021</a:t>
             </a:fld>
             <a:endParaRPr lang="pt-BR"/>
           </a:p>
@@ -2375,7 +2465,7 @@
           <a:p>
             <a:fld id="{B3237FD8-7647-544D-8D4B-E38D0094D47D}" type="datetimeFigureOut">
               <a:rPr lang="pt-BR" smtClean="0"/>
-              <a:t>17/06/2021</a:t>
+              <a:t>20/06/2021</a:t>
             </a:fld>
             <a:endParaRPr lang="pt-BR"/>
           </a:p>
@@ -2663,7 +2753,7 @@
           <a:p>
             <a:fld id="{B3237FD8-7647-544D-8D4B-E38D0094D47D}" type="datetimeFigureOut">
               <a:rPr lang="pt-BR" smtClean="0"/>
-              <a:t>17/06/2021</a:t>
+              <a:t>20/06/2021</a:t>
             </a:fld>
             <a:endParaRPr lang="pt-BR"/>
           </a:p>
@@ -2904,7 +2994,7 @@
           <a:p>
             <a:fld id="{B3237FD8-7647-544D-8D4B-E38D0094D47D}" type="datetimeFigureOut">
               <a:rPr lang="pt-BR" smtClean="0"/>
-              <a:t>17/06/2021</a:t>
+              <a:t>20/06/2021</a:t>
             </a:fld>
             <a:endParaRPr lang="pt-BR"/>
           </a:p>
@@ -3561,7 +3651,7 @@
         </p:nvSpPr>
         <p:spPr>
           <a:xfrm>
-            <a:off x="9020357" y="1912464"/>
+            <a:off x="9204088" y="2718457"/>
             <a:ext cx="2072325" cy="1564850"/>
           </a:xfrm>
           <a:prstGeom prst="ellipse">
@@ -3619,7 +3709,7 @@
         </p:nvSpPr>
         <p:spPr>
           <a:xfrm>
-            <a:off x="9020357" y="3576341"/>
+            <a:off x="9236172" y="4541363"/>
             <a:ext cx="2072325" cy="1564850"/>
           </a:xfrm>
           <a:prstGeom prst="ellipse">
@@ -3768,7 +3858,7 @@
             <a:pPr algn="ctr"/>
             <a:r>
               <a:rPr lang="pt-BR" dirty="0"/>
-              <a:t>Depression Scale - PHQ-9</a:t>
+              <a:t>Depression Scale (PHQ-9)</a:t>
             </a:r>
           </a:p>
         </p:txBody>
@@ -3997,7 +4087,7 @@
         <p:spPr>
           <a:xfrm>
             <a:off x="7896516" y="3486741"/>
-            <a:ext cx="1123841" cy="872025"/>
+            <a:ext cx="1339656" cy="1837047"/>
           </a:xfrm>
           <a:prstGeom prst="line">
             <a:avLst/>
@@ -4036,9 +4126,9 @@
           <p:nvPr/>
         </p:nvCxnSpPr>
         <p:spPr>
-          <a:xfrm flipV="1">
-            <a:off x="7896516" y="2694889"/>
-            <a:ext cx="1123841" cy="791852"/>
+          <a:xfrm>
+            <a:off x="7896516" y="3486741"/>
+            <a:ext cx="1307572" cy="14141"/>
           </a:xfrm>
           <a:prstGeom prst="line">
             <a:avLst/>
@@ -4230,6 +4320,105 @@
           </a:p>
         </p:txBody>
       </p:sp>
+      <p:sp>
+        <p:nvSpPr>
+          <p:cNvPr id="22" name="Oval 7">
+            <a:extLst>
+              <a:ext uri="{FF2B5EF4-FFF2-40B4-BE49-F238E27FC236}">
+                <a16:creationId xmlns:a16="http://schemas.microsoft.com/office/drawing/2014/main" id="{A4B0EA95-D858-4484-85CA-AB5FB14E90CC}"/>
+              </a:ext>
+            </a:extLst>
+          </p:cNvPr>
+          <p:cNvSpPr/>
+          <p:nvPr/>
+        </p:nvSpPr>
+        <p:spPr>
+          <a:xfrm>
+            <a:off x="9164784" y="895551"/>
+            <a:ext cx="2072325" cy="1564850"/>
+          </a:xfrm>
+          <a:prstGeom prst="ellipse">
+            <a:avLst/>
+          </a:prstGeom>
+          <a:solidFill>
+            <a:schemeClr val="tx2">
+              <a:lumMod val="60000"/>
+              <a:lumOff val="40000"/>
+            </a:schemeClr>
+          </a:solidFill>
+          <a:ln>
+            <a:noFill/>
+          </a:ln>
+        </p:spPr>
+        <p:style>
+          <a:lnRef idx="2">
+            <a:schemeClr val="accent1">
+              <a:shade val="50000"/>
+            </a:schemeClr>
+          </a:lnRef>
+          <a:fillRef idx="1">
+            <a:schemeClr val="accent1"/>
+          </a:fillRef>
+          <a:effectRef idx="0">
+            <a:schemeClr val="accent1"/>
+          </a:effectRef>
+          <a:fontRef idx="minor">
+            <a:schemeClr val="lt1"/>
+          </a:fontRef>
+        </p:style>
+        <p:txBody>
+          <a:bodyPr rtlCol="0" anchor="ctr"/>
+          <a:lstStyle/>
+          <a:p>
+            <a:pPr algn="ctr"/>
+            <a:r>
+              <a:rPr lang="pt-BR" dirty="0"/>
+              <a:t>Sleep Quality</a:t>
+            </a:r>
+          </a:p>
+        </p:txBody>
+      </p:sp>
+      <p:cxnSp>
+        <p:nvCxnSpPr>
+          <p:cNvPr id="26" name="Conector Reto 35">
+            <a:extLst>
+              <a:ext uri="{FF2B5EF4-FFF2-40B4-BE49-F238E27FC236}">
+                <a16:creationId xmlns:a16="http://schemas.microsoft.com/office/drawing/2014/main" id="{07C26911-D8A5-4D45-AE82-1D32D95B17CD}"/>
+              </a:ext>
+            </a:extLst>
+          </p:cNvPr>
+          <p:cNvCxnSpPr>
+            <a:cxnSpLocks/>
+            <a:stCxn id="4" idx="3"/>
+            <a:endCxn id="22" idx="2"/>
+          </p:cNvCxnSpPr>
+          <p:nvPr/>
+        </p:nvCxnSpPr>
+        <p:spPr>
+          <a:xfrm flipV="1">
+            <a:off x="7896516" y="1677976"/>
+            <a:ext cx="1268268" cy="1808765"/>
+          </a:xfrm>
+          <a:prstGeom prst="line">
+            <a:avLst/>
+          </a:prstGeom>
+          <a:ln w="38100"/>
+        </p:spPr>
+        <p:style>
+          <a:lnRef idx="1">
+            <a:schemeClr val="accent1"/>
+          </a:lnRef>
+          <a:fillRef idx="0">
+            <a:schemeClr val="accent1"/>
+          </a:fillRef>
+          <a:effectRef idx="0">
+            <a:schemeClr val="accent1"/>
+          </a:effectRef>
+          <a:fontRef idx="minor">
+            <a:schemeClr val="tx1"/>
+          </a:fontRef>
+        </p:style>
+      </p:cxnSp>
     </p:spTree>
     <p:extLst>
       <p:ext uri="{BB962C8B-B14F-4D97-AF65-F5344CB8AC3E}">
